--- a/Pirates1.pptx
+++ b/Pirates1.pptx
@@ -291,7 +291,7 @@
           <a:p>
             <a:fld id="{8B109F82-24BE-4ACB-BE20-5C499294A320}" type="datetimeFigureOut">
               <a:rPr lang="pt-PT" smtClean="0"/>
-              <a:t>23-07-2013</a:t>
+              <a:t>04-09-2013</a:t>
             </a:fld>
             <a:endParaRPr lang="pt-PT"/>
           </a:p>
@@ -461,7 +461,7 @@
           <a:p>
             <a:fld id="{8B109F82-24BE-4ACB-BE20-5C499294A320}" type="datetimeFigureOut">
               <a:rPr lang="pt-PT" smtClean="0"/>
-              <a:t>23-07-2013</a:t>
+              <a:t>04-09-2013</a:t>
             </a:fld>
             <a:endParaRPr lang="pt-PT"/>
           </a:p>
@@ -641,7 +641,7 @@
           <a:p>
             <a:fld id="{8B109F82-24BE-4ACB-BE20-5C499294A320}" type="datetimeFigureOut">
               <a:rPr lang="pt-PT" smtClean="0"/>
-              <a:t>23-07-2013</a:t>
+              <a:t>04-09-2013</a:t>
             </a:fld>
             <a:endParaRPr lang="pt-PT"/>
           </a:p>
@@ -811,7 +811,7 @@
           <a:p>
             <a:fld id="{8B109F82-24BE-4ACB-BE20-5C499294A320}" type="datetimeFigureOut">
               <a:rPr lang="pt-PT" smtClean="0"/>
-              <a:t>23-07-2013</a:t>
+              <a:t>04-09-2013</a:t>
             </a:fld>
             <a:endParaRPr lang="pt-PT"/>
           </a:p>
@@ -1057,7 +1057,7 @@
           <a:p>
             <a:fld id="{8B109F82-24BE-4ACB-BE20-5C499294A320}" type="datetimeFigureOut">
               <a:rPr lang="pt-PT" smtClean="0"/>
-              <a:t>23-07-2013</a:t>
+              <a:t>04-09-2013</a:t>
             </a:fld>
             <a:endParaRPr lang="pt-PT"/>
           </a:p>
@@ -1345,7 +1345,7 @@
           <a:p>
             <a:fld id="{8B109F82-24BE-4ACB-BE20-5C499294A320}" type="datetimeFigureOut">
               <a:rPr lang="pt-PT" smtClean="0"/>
-              <a:t>23-07-2013</a:t>
+              <a:t>04-09-2013</a:t>
             </a:fld>
             <a:endParaRPr lang="pt-PT"/>
           </a:p>
@@ -1767,7 +1767,7 @@
           <a:p>
             <a:fld id="{8B109F82-24BE-4ACB-BE20-5C499294A320}" type="datetimeFigureOut">
               <a:rPr lang="pt-PT" smtClean="0"/>
-              <a:t>23-07-2013</a:t>
+              <a:t>04-09-2013</a:t>
             </a:fld>
             <a:endParaRPr lang="pt-PT"/>
           </a:p>
@@ -1885,7 +1885,7 @@
           <a:p>
             <a:fld id="{8B109F82-24BE-4ACB-BE20-5C499294A320}" type="datetimeFigureOut">
               <a:rPr lang="pt-PT" smtClean="0"/>
-              <a:t>23-07-2013</a:t>
+              <a:t>04-09-2013</a:t>
             </a:fld>
             <a:endParaRPr lang="pt-PT"/>
           </a:p>
@@ -1980,7 +1980,7 @@
           <a:p>
             <a:fld id="{8B109F82-24BE-4ACB-BE20-5C499294A320}" type="datetimeFigureOut">
               <a:rPr lang="pt-PT" smtClean="0"/>
-              <a:t>23-07-2013</a:t>
+              <a:t>04-09-2013</a:t>
             </a:fld>
             <a:endParaRPr lang="pt-PT"/>
           </a:p>
@@ -2257,7 +2257,7 @@
           <a:p>
             <a:fld id="{8B109F82-24BE-4ACB-BE20-5C499294A320}" type="datetimeFigureOut">
               <a:rPr lang="pt-PT" smtClean="0"/>
-              <a:t>23-07-2013</a:t>
+              <a:t>04-09-2013</a:t>
             </a:fld>
             <a:endParaRPr lang="pt-PT"/>
           </a:p>
@@ -2510,7 +2510,7 @@
           <a:p>
             <a:fld id="{8B109F82-24BE-4ACB-BE20-5C499294A320}" type="datetimeFigureOut">
               <a:rPr lang="pt-PT" smtClean="0"/>
-              <a:t>23-07-2013</a:t>
+              <a:t>04-09-2013</a:t>
             </a:fld>
             <a:endParaRPr lang="pt-PT"/>
           </a:p>
@@ -2723,7 +2723,7 @@
           <a:p>
             <a:fld id="{8B109F82-24BE-4ACB-BE20-5C499294A320}" type="datetimeFigureOut">
               <a:rPr lang="pt-PT" smtClean="0"/>
-              <a:t>23-07-2013</a:t>
+              <a:t>04-09-2013</a:t>
             </a:fld>
             <a:endParaRPr lang="pt-PT"/>
           </a:p>
@@ -3403,11 +3403,7 @@
             <a:pPr algn="ctr"/>
             <a:r>
               <a:rPr lang="pt-PT" sz="4000" dirty="0" smtClean="0"/>
-              <a:t>D - </a:t>
-            </a:r>
-            <a:r>
-              <a:rPr lang="pt-PT" sz="4000" dirty="0" smtClean="0"/>
-              <a:t>rejects</a:t>
+              <a:t>D - rejects</a:t>
             </a:r>
             <a:endParaRPr lang="pt-PT" sz="4000" dirty="0"/>
           </a:p>
@@ -3744,6 +3740,50 @@
         </p:spPr>
         <p:style>
           <a:lnRef idx="2">
+            <a:schemeClr val="accent3">
+              <a:shade val="50000"/>
+            </a:schemeClr>
+          </a:lnRef>
+          <a:fillRef idx="1">
+            <a:schemeClr val="accent3"/>
+          </a:fillRef>
+          <a:effectRef idx="0">
+            <a:schemeClr val="accent3"/>
+          </a:effectRef>
+          <a:fontRef idx="minor">
+            <a:schemeClr val="lt1"/>
+          </a:fontRef>
+        </p:style>
+        <p:txBody>
+          <a:bodyPr rtlCol="0" anchor="ctr"/>
+          <a:lstStyle/>
+          <a:p>
+            <a:pPr algn="ctr"/>
+            <a:r>
+              <a:rPr lang="pt-PT" sz="4000" dirty="0" smtClean="0"/>
+              <a:t>D - rejects</a:t>
+            </a:r>
+            <a:endParaRPr lang="pt-PT" sz="4000" dirty="0"/>
+          </a:p>
+        </p:txBody>
+      </p:sp>
+      <p:sp>
+        <p:nvSpPr>
+          <p:cNvPr id="3" name="Oval 2"/>
+          <p:cNvSpPr/>
+          <p:nvPr/>
+        </p:nvSpPr>
+        <p:spPr>
+          <a:xfrm>
+            <a:off x="2591752" y="5601175"/>
+            <a:ext cx="3960496" cy="1080135"/>
+          </a:xfrm>
+          <a:prstGeom prst="ellipse">
+            <a:avLst/>
+          </a:prstGeom>
+        </p:spPr>
+        <p:style>
+          <a:lnRef idx="2">
             <a:schemeClr val="accent2">
               <a:shade val="50000"/>
             </a:schemeClr>
@@ -3753,54 +3793,6 @@
           </a:fillRef>
           <a:effectRef idx="0">
             <a:schemeClr val="accent2"/>
-          </a:effectRef>
-          <a:fontRef idx="minor">
-            <a:schemeClr val="lt1"/>
-          </a:fontRef>
-        </p:style>
-        <p:txBody>
-          <a:bodyPr rtlCol="0" anchor="ctr"/>
-          <a:lstStyle/>
-          <a:p>
-            <a:pPr algn="ctr"/>
-            <a:r>
-              <a:rPr lang="pt-PT" sz="4000" dirty="0" smtClean="0"/>
-              <a:t>D - </a:t>
-            </a:r>
-            <a:r>
-              <a:rPr lang="pt-PT" sz="4000" dirty="0" smtClean="0"/>
-              <a:t>rejects</a:t>
-            </a:r>
-            <a:endParaRPr lang="pt-PT" sz="4000" dirty="0"/>
-          </a:p>
-        </p:txBody>
-      </p:sp>
-      <p:sp>
-        <p:nvSpPr>
-          <p:cNvPr id="3" name="Oval 2"/>
-          <p:cNvSpPr/>
-          <p:nvPr/>
-        </p:nvSpPr>
-        <p:spPr>
-          <a:xfrm>
-            <a:off x="2591752" y="5601175"/>
-            <a:ext cx="3960496" cy="1080135"/>
-          </a:xfrm>
-          <a:prstGeom prst="ellipse">
-            <a:avLst/>
-          </a:prstGeom>
-        </p:spPr>
-        <p:style>
-          <a:lnRef idx="2">
-            <a:schemeClr val="accent3">
-              <a:shade val="50000"/>
-            </a:schemeClr>
-          </a:lnRef>
-          <a:fillRef idx="1">
-            <a:schemeClr val="accent3"/>
-          </a:fillRef>
-          <a:effectRef idx="0">
-            <a:schemeClr val="accent3"/>
           </a:effectRef>
           <a:fontRef idx="minor">
             <a:schemeClr val="lt1"/>
@@ -3878,14 +3870,15 @@
             <a:pPr algn="ctr"/>
             <a:r>
               <a:rPr lang="pt-PT" sz="3200" dirty="0" smtClean="0"/>
-              <a:t>D:0</a:t>
-            </a:r>
+              <a:t>D:1</a:t>
+            </a:r>
+            <a:endParaRPr lang="pt-PT" sz="3200" dirty="0" smtClean="0"/>
           </a:p>
           <a:p>
             <a:pPr algn="ctr"/>
             <a:r>
               <a:rPr lang="pt-PT" sz="3200" dirty="0" smtClean="0"/>
-              <a:t>E:1</a:t>
+              <a:t>E:0</a:t>
             </a:r>
             <a:endParaRPr lang="pt-PT" sz="3200" dirty="0"/>
           </a:p>
@@ -3983,14 +3976,15 @@
             <a:pPr algn="ctr"/>
             <a:r>
               <a:rPr lang="pt-PT" sz="3200" dirty="0" smtClean="0"/>
-              <a:t>D:0</a:t>
-            </a:r>
+              <a:t>D:1</a:t>
+            </a:r>
+            <a:endParaRPr lang="pt-PT" sz="3200" dirty="0" smtClean="0"/>
           </a:p>
           <a:p>
             <a:pPr algn="ctr"/>
             <a:r>
               <a:rPr lang="pt-PT" sz="3200" dirty="0" smtClean="0"/>
-              <a:t>E:1</a:t>
+              <a:t>E:0</a:t>
             </a:r>
             <a:endParaRPr lang="pt-PT" sz="3200" dirty="0"/>
           </a:p>
@@ -4034,11 +4028,7 @@
             <a:pPr algn="ctr"/>
             <a:r>
               <a:rPr lang="pt-PT" sz="4000" dirty="0" smtClean="0"/>
-              <a:t>C - </a:t>
-            </a:r>
-            <a:r>
-              <a:rPr lang="pt-PT" sz="4000" dirty="0" smtClean="0"/>
-              <a:t>rejects</a:t>
+              <a:t>C - rejects</a:t>
             </a:r>
             <a:endParaRPr lang="pt-PT" sz="4000" dirty="0"/>
           </a:p>
@@ -4222,11 +4212,7 @@
             <a:pPr algn="ctr"/>
             <a:r>
               <a:rPr lang="pt-PT" sz="4000" dirty="0" smtClean="0"/>
-              <a:t>D - </a:t>
-            </a:r>
-            <a:r>
-              <a:rPr lang="pt-PT" sz="4000" dirty="0" smtClean="0"/>
-              <a:t>rejects</a:t>
+              <a:t>D - rejects</a:t>
             </a:r>
             <a:endParaRPr lang="pt-PT" sz="4000" dirty="0"/>
           </a:p>
@@ -4505,11 +4491,7 @@
             <a:pPr algn="ctr"/>
             <a:r>
               <a:rPr lang="pt-PT" sz="4000" dirty="0" smtClean="0"/>
-              <a:t>B - </a:t>
-            </a:r>
-            <a:r>
-              <a:rPr lang="pt-PT" sz="4000" dirty="0" smtClean="0"/>
-              <a:t>rejects</a:t>
+              <a:t>B - rejects</a:t>
             </a:r>
             <a:endParaRPr lang="pt-PT" sz="4000" dirty="0"/>
           </a:p>
